--- a/help/data-sheets/assets/BusinessSupportDatasheet.pptx
+++ b/help/data-sheets/assets/BusinessSupportDatasheet.pptx
@@ -140,32 +140,55 @@
 </p:cmAuthorLst>
 </file>
 
-<file path=ppt/revisionInfo.xml><?xml version="1.0" encoding="utf-8"?>
-<p1510:revInfo xmlns:a="http://schemas.openxmlformats.org/drawingml/2006/main" xmlns:r="http://schemas.openxmlformats.org/officeDocument/2006/relationships" xmlns:p1510="http://schemas.microsoft.com/office/powerpoint/2015/10/main">
-  <p1510:revLst>
-    <p1510:client id="{61630BD6-9AE9-064C-B39F-AFA945B82B3E}" v="202" dt="2021-10-13T19:21:08.267"/>
-    <p1510:client id="{AC30C20D-1316-8ECC-DADD-39CCEC6A7FCF}" v="9" dt="2021-10-13T19:03:35.035"/>
-  </p1510:revLst>
-</p1510:revInfo>
-</file>
-
 <file path=ppt/changesInfos/changesInfo1.xml><?xml version="1.0" encoding="utf-8"?>
 <pc:chgInfo xmlns:a="http://schemas.openxmlformats.org/drawingml/2006/main" xmlns:r="http://schemas.openxmlformats.org/officeDocument/2006/relationships" xmlns:ac="http://schemas.microsoft.com/office/drawing/2013/main/command" xmlns:pc="http://schemas.microsoft.com/office/powerpoint/2013/main/command">
   <pc:docChgLst>
-    <pc:chgData name="Akilah Johnson" userId="S::akjohnso@adobe.com::2fa3aa60-0c9c-4d06-bae2-795983241227" providerId="AD" clId="Web-{4D8E0410-E0CE-85E2-0F84-C1BF4F647622}"/>
+    <pc:chgData name="Akilah Johnson" userId="S::akjohnso@adobe.com::2fa3aa60-0c9c-4d06-bae2-795983241227" providerId="AD" clId="Web-{71D6CFBF-0EA2-99B0-93F4-22F19EF0AE4E}"/>
     <pc:docChg chg="modSld">
-      <pc:chgData name="Akilah Johnson" userId="S::akjohnso@adobe.com::2fa3aa60-0c9c-4d06-bae2-795983241227" providerId="AD" clId="Web-{4D8E0410-E0CE-85E2-0F84-C1BF4F647622}" dt="2021-09-22T22:57:04.802" v="5"/>
+      <pc:chgData name="Akilah Johnson" userId="S::akjohnso@adobe.com::2fa3aa60-0c9c-4d06-bae2-795983241227" providerId="AD" clId="Web-{71D6CFBF-0EA2-99B0-93F4-22F19EF0AE4E}" dt="2021-09-22T19:06:58.732" v="1" actId="1076"/>
       <pc:docMkLst>
         <pc:docMk/>
       </pc:docMkLst>
       <pc:sldChg chg="modSp">
-        <pc:chgData name="Akilah Johnson" userId="S::akjohnso@adobe.com::2fa3aa60-0c9c-4d06-bae2-795983241227" providerId="AD" clId="Web-{4D8E0410-E0CE-85E2-0F84-C1BF4F647622}" dt="2021-09-22T22:57:04.802" v="5"/>
+        <pc:chgData name="Akilah Johnson" userId="S::akjohnso@adobe.com::2fa3aa60-0c9c-4d06-bae2-795983241227" providerId="AD" clId="Web-{71D6CFBF-0EA2-99B0-93F4-22F19EF0AE4E}" dt="2021-09-22T19:06:58.732" v="1" actId="1076"/>
         <pc:sldMkLst>
           <pc:docMk/>
           <pc:sldMk cId="1050037809" sldId="261"/>
         </pc:sldMkLst>
+        <pc:spChg chg="mod">
+          <ac:chgData name="Akilah Johnson" userId="S::akjohnso@adobe.com::2fa3aa60-0c9c-4d06-bae2-795983241227" providerId="AD" clId="Web-{71D6CFBF-0EA2-99B0-93F4-22F19EF0AE4E}" dt="2021-09-22T19:06:58.732" v="1" actId="1076"/>
+          <ac:spMkLst>
+            <pc:docMk/>
+            <pc:sldMk cId="1050037809" sldId="261"/>
+            <ac:spMk id="64" creationId="{41467BDC-3D83-D844-B922-CD07E94E5AAB}"/>
+          </ac:spMkLst>
+        </pc:spChg>
+      </pc:sldChg>
+    </pc:docChg>
+  </pc:docChgLst>
+  <pc:docChgLst>
+    <pc:chgData name="Akilah Johnson" userId="S::akjohnso@adobe.com::2fa3aa60-0c9c-4d06-bae2-795983241227" providerId="AD" clId="Web-{AFB92C2B-405E-C597-0988-18F97C53104C}"/>
+    <pc:docChg chg="modSld">
+      <pc:chgData name="Akilah Johnson" userId="S::akjohnso@adobe.com::2fa3aa60-0c9c-4d06-bae2-795983241227" providerId="AD" clId="Web-{AFB92C2B-405E-C597-0988-18F97C53104C}" dt="2021-09-22T18:53:26.184" v="29"/>
+      <pc:docMkLst>
+        <pc:docMk/>
+      </pc:docMkLst>
+      <pc:sldChg chg="modSp">
+        <pc:chgData name="Akilah Johnson" userId="S::akjohnso@adobe.com::2fa3aa60-0c9c-4d06-bae2-795983241227" providerId="AD" clId="Web-{AFB92C2B-405E-C597-0988-18F97C53104C}" dt="2021-09-22T18:53:26.184" v="29"/>
+        <pc:sldMkLst>
+          <pc:docMk/>
+          <pc:sldMk cId="1050037809" sldId="261"/>
+        </pc:sldMkLst>
+        <pc:spChg chg="mod">
+          <ac:chgData name="Akilah Johnson" userId="S::akjohnso@adobe.com::2fa3aa60-0c9c-4d06-bae2-795983241227" providerId="AD" clId="Web-{AFB92C2B-405E-C597-0988-18F97C53104C}" dt="2021-09-22T18:53:05.841" v="5" actId="20577"/>
+          <ac:spMkLst>
+            <pc:docMk/>
+            <pc:sldMk cId="1050037809" sldId="261"/>
+            <ac:spMk id="64" creationId="{41467BDC-3D83-D844-B922-CD07E94E5AAB}"/>
+          </ac:spMkLst>
+        </pc:spChg>
         <pc:graphicFrameChg chg="mod modGraphic">
-          <ac:chgData name="Akilah Johnson" userId="S::akjohnso@adobe.com::2fa3aa60-0c9c-4d06-bae2-795983241227" providerId="AD" clId="Web-{4D8E0410-E0CE-85E2-0F84-C1BF4F647622}" dt="2021-09-22T22:57:04.802" v="5"/>
+          <ac:chgData name="Akilah Johnson" userId="S::akjohnso@adobe.com::2fa3aa60-0c9c-4d06-bae2-795983241227" providerId="AD" clId="Web-{AFB92C2B-405E-C597-0988-18F97C53104C}" dt="2021-09-22T18:53:26.184" v="29"/>
           <ac:graphicFrameMkLst>
             <pc:docMk/>
             <pc:sldMk cId="1050037809" sldId="261"/>
@@ -223,6 +246,117 @@
     </pc:docChg>
   </pc:docChgLst>
   <pc:docChgLst>
+    <pc:chgData name="Ankita Sood" userId="c93a62e3-2a47-429d-82c6-c2a8fd110ae7" providerId="ADAL" clId="{EADEB940-4844-7941-8DD1-C0A7CBA2737C}"/>
+    <pc:docChg chg="modSld">
+      <pc:chgData name="Ankita Sood" userId="c93a62e3-2a47-429d-82c6-c2a8fd110ae7" providerId="ADAL" clId="{EADEB940-4844-7941-8DD1-C0A7CBA2737C}" dt="2022-01-20T19:38:27.531" v="31" actId="20577"/>
+      <pc:docMkLst>
+        <pc:docMk/>
+      </pc:docMkLst>
+      <pc:sldChg chg="modSp mod">
+        <pc:chgData name="Ankita Sood" userId="c93a62e3-2a47-429d-82c6-c2a8fd110ae7" providerId="ADAL" clId="{EADEB940-4844-7941-8DD1-C0A7CBA2737C}" dt="2022-01-20T19:38:22.046" v="23" actId="20577"/>
+        <pc:sldMkLst>
+          <pc:docMk/>
+          <pc:sldMk cId="0" sldId="256"/>
+        </pc:sldMkLst>
+        <pc:spChg chg="mod">
+          <ac:chgData name="Ankita Sood" userId="c93a62e3-2a47-429d-82c6-c2a8fd110ae7" providerId="ADAL" clId="{EADEB940-4844-7941-8DD1-C0A7CBA2737C}" dt="2022-01-20T19:38:07.964" v="7" actId="20577"/>
+          <ac:spMkLst>
+            <pc:docMk/>
+            <pc:sldMk cId="0" sldId="256"/>
+            <ac:spMk id="5" creationId="{00000000-0000-0000-0000-000000000000}"/>
+          </ac:spMkLst>
+        </pc:spChg>
+        <pc:graphicFrameChg chg="modGraphic">
+          <ac:chgData name="Ankita Sood" userId="c93a62e3-2a47-429d-82c6-c2a8fd110ae7" providerId="ADAL" clId="{EADEB940-4844-7941-8DD1-C0A7CBA2737C}" dt="2022-01-20T19:38:22.046" v="23" actId="20577"/>
+          <ac:graphicFrameMkLst>
+            <pc:docMk/>
+            <pc:sldMk cId="0" sldId="256"/>
+            <ac:graphicFrameMk id="9" creationId="{00000000-0000-0000-0000-000000000000}"/>
+          </ac:graphicFrameMkLst>
+        </pc:graphicFrameChg>
+        <pc:graphicFrameChg chg="modGraphic">
+          <ac:chgData name="Ankita Sood" userId="c93a62e3-2a47-429d-82c6-c2a8fd110ae7" providerId="ADAL" clId="{EADEB940-4844-7941-8DD1-C0A7CBA2737C}" dt="2022-01-20T19:38:16.769" v="15" actId="20577"/>
+          <ac:graphicFrameMkLst>
+            <pc:docMk/>
+            <pc:sldMk cId="0" sldId="256"/>
+            <ac:graphicFrameMk id="11" creationId="{3AC7AEA2-E7A4-BD48-80EA-856168E207F6}"/>
+          </ac:graphicFrameMkLst>
+        </pc:graphicFrameChg>
+      </pc:sldChg>
+      <pc:sldChg chg="modSp mod">
+        <pc:chgData name="Ankita Sood" userId="c93a62e3-2a47-429d-82c6-c2a8fd110ae7" providerId="ADAL" clId="{EADEB940-4844-7941-8DD1-C0A7CBA2737C}" dt="2022-01-20T19:38:27.531" v="31" actId="20577"/>
+        <pc:sldMkLst>
+          <pc:docMk/>
+          <pc:sldMk cId="0" sldId="257"/>
+        </pc:sldMkLst>
+        <pc:spChg chg="mod">
+          <ac:chgData name="Ankita Sood" userId="c93a62e3-2a47-429d-82c6-c2a8fd110ae7" providerId="ADAL" clId="{EADEB940-4844-7941-8DD1-C0A7CBA2737C}" dt="2022-01-20T19:38:27.531" v="31" actId="20577"/>
+          <ac:spMkLst>
+            <pc:docMk/>
+            <pc:sldMk cId="0" sldId="257"/>
+            <ac:spMk id="44" creationId="{147009FB-1B8D-6D4F-87DF-41B5DE49EFE5}"/>
+          </ac:spMkLst>
+        </pc:spChg>
+      </pc:sldChg>
+    </pc:docChg>
+  </pc:docChgLst>
+  <pc:docChgLst>
+    <pc:chgData name="Andy Witt" userId="S::awitt@adobe.com::e9157bdf-53b2-40e4-9459-936793d75696" providerId="AD" clId="Web-{CA5D33DF-AE75-BCA1-B9BC-A7CD44D2F3C7}"/>
+    <pc:docChg chg="modSld">
+      <pc:chgData name="Andy Witt" userId="S::awitt@adobe.com::e9157bdf-53b2-40e4-9459-936793d75696" providerId="AD" clId="Web-{CA5D33DF-AE75-BCA1-B9BC-A7CD44D2F3C7}" dt="2021-08-25T22:38:18.624" v="1" actId="1076"/>
+      <pc:docMkLst>
+        <pc:docMk/>
+      </pc:docMkLst>
+      <pc:sldChg chg="modSp">
+        <pc:chgData name="Andy Witt" userId="S::awitt@adobe.com::e9157bdf-53b2-40e4-9459-936793d75696" providerId="AD" clId="Web-{CA5D33DF-AE75-BCA1-B9BC-A7CD44D2F3C7}" dt="2021-08-25T22:38:18.624" v="1" actId="1076"/>
+        <pc:sldMkLst>
+          <pc:docMk/>
+          <pc:sldMk cId="1050037809" sldId="261"/>
+        </pc:sldMkLst>
+        <pc:spChg chg="mod">
+          <ac:chgData name="Andy Witt" userId="S::awitt@adobe.com::e9157bdf-53b2-40e4-9459-936793d75696" providerId="AD" clId="Web-{CA5D33DF-AE75-BCA1-B9BC-A7CD44D2F3C7}" dt="2021-08-25T22:38:18.624" v="1" actId="1076"/>
+          <ac:spMkLst>
+            <pc:docMk/>
+            <pc:sldMk cId="1050037809" sldId="261"/>
+            <ac:spMk id="50" creationId="{043050D0-21FC-0C42-8484-7FE7C0DB771F}"/>
+          </ac:spMkLst>
+        </pc:spChg>
+      </pc:sldChg>
+    </pc:docChg>
+  </pc:docChgLst>
+  <pc:docChgLst>
+    <pc:chgData name="Lauren Schutte" userId="6e08b2d3-447a-4d66-86be-444d50df187f" providerId="ADAL" clId="{61630BD6-9AE9-064C-B39F-AFA945B82B3E}"/>
+    <pc:docChg chg="undo custSel modSld">
+      <pc:chgData name="Lauren Schutte" userId="6e08b2d3-447a-4d66-86be-444d50df187f" providerId="ADAL" clId="{61630BD6-9AE9-064C-B39F-AFA945B82B3E}" dt="2021-10-13T19:21:08.267" v="201" actId="20577"/>
+      <pc:docMkLst>
+        <pc:docMk/>
+      </pc:docMkLst>
+      <pc:sldChg chg="modSp mod">
+        <pc:chgData name="Lauren Schutte" userId="6e08b2d3-447a-4d66-86be-444d50df187f" providerId="ADAL" clId="{61630BD6-9AE9-064C-B39F-AFA945B82B3E}" dt="2021-10-13T19:21:08.267" v="201" actId="20577"/>
+        <pc:sldMkLst>
+          <pc:docMk/>
+          <pc:sldMk cId="0" sldId="256"/>
+        </pc:sldMkLst>
+        <pc:spChg chg="mod">
+          <ac:chgData name="Lauren Schutte" userId="6e08b2d3-447a-4d66-86be-444d50df187f" providerId="ADAL" clId="{61630BD6-9AE9-064C-B39F-AFA945B82B3E}" dt="2021-10-13T19:03:44.344" v="3" actId="1076"/>
+          <ac:spMkLst>
+            <pc:docMk/>
+            <pc:sldMk cId="0" sldId="256"/>
+            <ac:spMk id="3" creationId="{00000000-0000-0000-0000-000000000000}"/>
+          </ac:spMkLst>
+        </pc:spChg>
+        <pc:graphicFrameChg chg="mod modGraphic">
+          <ac:chgData name="Lauren Schutte" userId="6e08b2d3-447a-4d66-86be-444d50df187f" providerId="ADAL" clId="{61630BD6-9AE9-064C-B39F-AFA945B82B3E}" dt="2021-10-13T19:21:08.267" v="201" actId="20577"/>
+          <ac:graphicFrameMkLst>
+            <pc:docMk/>
+            <pc:sldMk cId="0" sldId="256"/>
+            <ac:graphicFrameMk id="9" creationId="{00000000-0000-0000-0000-000000000000}"/>
+          </ac:graphicFrameMkLst>
+        </pc:graphicFrameChg>
+      </pc:sldChg>
+    </pc:docChg>
+  </pc:docChgLst>
+  <pc:docChgLst>
     <pc:chgData name="Andy Witt" userId="S::awitt@adobe.com::e9157bdf-53b2-40e4-9459-936793d75696" providerId="AD" clId="Web-{06B13378-B080-7F0F-51A5-F9203CEE57ED}"/>
     <pc:docChg chg="modSld">
       <pc:chgData name="Andy Witt" userId="S::awitt@adobe.com::e9157bdf-53b2-40e4-9459-936793d75696" providerId="AD" clId="Web-{06B13378-B080-7F0F-51A5-F9203CEE57ED}" dt="2021-08-25T22:25:13.647" v="363"/>
@@ -247,50 +381,26 @@
     </pc:docChg>
   </pc:docChgLst>
   <pc:docChgLst>
-    <pc:chgData name="Akilah Johnson" userId="S::akjohnso@adobe.com::2fa3aa60-0c9c-4d06-bae2-795983241227" providerId="AD" clId="Web-{D428A0AE-54E2-30D2-C574-7A0742876CCF}"/>
+    <pc:chgData name="Akilah Johnson" userId="S::akjohnso@adobe.com::2fa3aa60-0c9c-4d06-bae2-795983241227" providerId="AD" clId="Web-{4D8E0410-E0CE-85E2-0F84-C1BF4F647622}"/>
     <pc:docChg chg="modSld">
-      <pc:chgData name="Akilah Johnson" userId="S::akjohnso@adobe.com::2fa3aa60-0c9c-4d06-bae2-795983241227" providerId="AD" clId="Web-{D428A0AE-54E2-30D2-C574-7A0742876CCF}" dt="2021-10-12T19:11:25.330" v="0" actId="20577"/>
+      <pc:chgData name="Akilah Johnson" userId="S::akjohnso@adobe.com::2fa3aa60-0c9c-4d06-bae2-795983241227" providerId="AD" clId="Web-{4D8E0410-E0CE-85E2-0F84-C1BF4F647622}" dt="2021-09-22T22:57:04.802" v="5"/>
       <pc:docMkLst>
         <pc:docMk/>
       </pc:docMkLst>
       <pc:sldChg chg="modSp">
-        <pc:chgData name="Akilah Johnson" userId="S::akjohnso@adobe.com::2fa3aa60-0c9c-4d06-bae2-795983241227" providerId="AD" clId="Web-{D428A0AE-54E2-30D2-C574-7A0742876CCF}" dt="2021-10-12T19:11:25.330" v="0" actId="20577"/>
-        <pc:sldMkLst>
-          <pc:docMk/>
-          <pc:sldMk cId="0" sldId="256"/>
-        </pc:sldMkLst>
-        <pc:spChg chg="mod">
-          <ac:chgData name="Akilah Johnson" userId="S::akjohnso@adobe.com::2fa3aa60-0c9c-4d06-bae2-795983241227" providerId="AD" clId="Web-{D428A0AE-54E2-30D2-C574-7A0742876CCF}" dt="2021-10-12T19:11:25.330" v="0" actId="20577"/>
-          <ac:spMkLst>
-            <pc:docMk/>
-            <pc:sldMk cId="0" sldId="256"/>
-            <ac:spMk id="4" creationId="{00000000-0000-0000-0000-000000000000}"/>
-          </ac:spMkLst>
-        </pc:spChg>
-      </pc:sldChg>
-    </pc:docChg>
-  </pc:docChgLst>
-  <pc:docChgLst>
-    <pc:chgData name="Akilah Johnson" userId="S::akjohnso@adobe.com::2fa3aa60-0c9c-4d06-bae2-795983241227" providerId="AD" clId="Web-{71D6CFBF-0EA2-99B0-93F4-22F19EF0AE4E}"/>
-    <pc:docChg chg="modSld">
-      <pc:chgData name="Akilah Johnson" userId="S::akjohnso@adobe.com::2fa3aa60-0c9c-4d06-bae2-795983241227" providerId="AD" clId="Web-{71D6CFBF-0EA2-99B0-93F4-22F19EF0AE4E}" dt="2021-09-22T19:06:58.732" v="1" actId="1076"/>
-      <pc:docMkLst>
-        <pc:docMk/>
-      </pc:docMkLst>
-      <pc:sldChg chg="modSp">
-        <pc:chgData name="Akilah Johnson" userId="S::akjohnso@adobe.com::2fa3aa60-0c9c-4d06-bae2-795983241227" providerId="AD" clId="Web-{71D6CFBF-0EA2-99B0-93F4-22F19EF0AE4E}" dt="2021-09-22T19:06:58.732" v="1" actId="1076"/>
+        <pc:chgData name="Akilah Johnson" userId="S::akjohnso@adobe.com::2fa3aa60-0c9c-4d06-bae2-795983241227" providerId="AD" clId="Web-{4D8E0410-E0CE-85E2-0F84-C1BF4F647622}" dt="2021-09-22T22:57:04.802" v="5"/>
         <pc:sldMkLst>
           <pc:docMk/>
           <pc:sldMk cId="1050037809" sldId="261"/>
         </pc:sldMkLst>
-        <pc:spChg chg="mod">
-          <ac:chgData name="Akilah Johnson" userId="S::akjohnso@adobe.com::2fa3aa60-0c9c-4d06-bae2-795983241227" providerId="AD" clId="Web-{71D6CFBF-0EA2-99B0-93F4-22F19EF0AE4E}" dt="2021-09-22T19:06:58.732" v="1" actId="1076"/>
-          <ac:spMkLst>
+        <pc:graphicFrameChg chg="mod modGraphic">
+          <ac:chgData name="Akilah Johnson" userId="S::akjohnso@adobe.com::2fa3aa60-0c9c-4d06-bae2-795983241227" providerId="AD" clId="Web-{4D8E0410-E0CE-85E2-0F84-C1BF4F647622}" dt="2021-09-22T22:57:04.802" v="5"/>
+          <ac:graphicFrameMkLst>
             <pc:docMk/>
             <pc:sldMk cId="1050037809" sldId="261"/>
-            <ac:spMk id="64" creationId="{41467BDC-3D83-D844-B922-CD07E94E5AAB}"/>
-          </ac:spMkLst>
-        </pc:spChg>
+            <ac:graphicFrameMk id="25" creationId="{3A91F5B0-3974-A14D-A146-FB590F2AAD18}"/>
+          </ac:graphicFrameMkLst>
+        </pc:graphicFrameChg>
       </pc:sldChg>
     </pc:docChg>
   </pc:docChgLst>
@@ -327,88 +437,24 @@
     </pc:docChg>
   </pc:docChgLst>
   <pc:docChgLst>
-    <pc:chgData name="Akilah Johnson" userId="S::akjohnso@adobe.com::2fa3aa60-0c9c-4d06-bae2-795983241227" providerId="AD" clId="Web-{AFB92C2B-405E-C597-0988-18F97C53104C}"/>
+    <pc:chgData name="Akilah Johnson" userId="S::akjohnso@adobe.com::2fa3aa60-0c9c-4d06-bae2-795983241227" providerId="AD" clId="Web-{D428A0AE-54E2-30D2-C574-7A0742876CCF}"/>
     <pc:docChg chg="modSld">
-      <pc:chgData name="Akilah Johnson" userId="S::akjohnso@adobe.com::2fa3aa60-0c9c-4d06-bae2-795983241227" providerId="AD" clId="Web-{AFB92C2B-405E-C597-0988-18F97C53104C}" dt="2021-09-22T18:53:26.184" v="29"/>
+      <pc:chgData name="Akilah Johnson" userId="S::akjohnso@adobe.com::2fa3aa60-0c9c-4d06-bae2-795983241227" providerId="AD" clId="Web-{D428A0AE-54E2-30D2-C574-7A0742876CCF}" dt="2021-10-12T19:11:25.330" v="0" actId="20577"/>
       <pc:docMkLst>
         <pc:docMk/>
       </pc:docMkLst>
       <pc:sldChg chg="modSp">
-        <pc:chgData name="Akilah Johnson" userId="S::akjohnso@adobe.com::2fa3aa60-0c9c-4d06-bae2-795983241227" providerId="AD" clId="Web-{AFB92C2B-405E-C597-0988-18F97C53104C}" dt="2021-09-22T18:53:26.184" v="29"/>
-        <pc:sldMkLst>
-          <pc:docMk/>
-          <pc:sldMk cId="1050037809" sldId="261"/>
-        </pc:sldMkLst>
-        <pc:spChg chg="mod">
-          <ac:chgData name="Akilah Johnson" userId="S::akjohnso@adobe.com::2fa3aa60-0c9c-4d06-bae2-795983241227" providerId="AD" clId="Web-{AFB92C2B-405E-C597-0988-18F97C53104C}" dt="2021-09-22T18:53:05.841" v="5" actId="20577"/>
-          <ac:spMkLst>
-            <pc:docMk/>
-            <pc:sldMk cId="1050037809" sldId="261"/>
-            <ac:spMk id="64" creationId="{41467BDC-3D83-D844-B922-CD07E94E5AAB}"/>
-          </ac:spMkLst>
-        </pc:spChg>
-        <pc:graphicFrameChg chg="mod modGraphic">
-          <ac:chgData name="Akilah Johnson" userId="S::akjohnso@adobe.com::2fa3aa60-0c9c-4d06-bae2-795983241227" providerId="AD" clId="Web-{AFB92C2B-405E-C597-0988-18F97C53104C}" dt="2021-09-22T18:53:26.184" v="29"/>
-          <ac:graphicFrameMkLst>
-            <pc:docMk/>
-            <pc:sldMk cId="1050037809" sldId="261"/>
-            <ac:graphicFrameMk id="25" creationId="{3A91F5B0-3974-A14D-A146-FB590F2AAD18}"/>
-          </ac:graphicFrameMkLst>
-        </pc:graphicFrameChg>
-      </pc:sldChg>
-    </pc:docChg>
-  </pc:docChgLst>
-  <pc:docChgLst>
-    <pc:chgData name="Lauren Schutte" userId="6e08b2d3-447a-4d66-86be-444d50df187f" providerId="ADAL" clId="{61630BD6-9AE9-064C-B39F-AFA945B82B3E}"/>
-    <pc:docChg chg="undo custSel modSld">
-      <pc:chgData name="Lauren Schutte" userId="6e08b2d3-447a-4d66-86be-444d50df187f" providerId="ADAL" clId="{61630BD6-9AE9-064C-B39F-AFA945B82B3E}" dt="2021-10-13T19:21:08.267" v="201" actId="20577"/>
-      <pc:docMkLst>
-        <pc:docMk/>
-      </pc:docMkLst>
-      <pc:sldChg chg="modSp mod">
-        <pc:chgData name="Lauren Schutte" userId="6e08b2d3-447a-4d66-86be-444d50df187f" providerId="ADAL" clId="{61630BD6-9AE9-064C-B39F-AFA945B82B3E}" dt="2021-10-13T19:21:08.267" v="201" actId="20577"/>
+        <pc:chgData name="Akilah Johnson" userId="S::akjohnso@adobe.com::2fa3aa60-0c9c-4d06-bae2-795983241227" providerId="AD" clId="Web-{D428A0AE-54E2-30D2-C574-7A0742876CCF}" dt="2021-10-12T19:11:25.330" v="0" actId="20577"/>
         <pc:sldMkLst>
           <pc:docMk/>
           <pc:sldMk cId="0" sldId="256"/>
         </pc:sldMkLst>
         <pc:spChg chg="mod">
-          <ac:chgData name="Lauren Schutte" userId="6e08b2d3-447a-4d66-86be-444d50df187f" providerId="ADAL" clId="{61630BD6-9AE9-064C-B39F-AFA945B82B3E}" dt="2021-10-13T19:03:44.344" v="3" actId="1076"/>
+          <ac:chgData name="Akilah Johnson" userId="S::akjohnso@adobe.com::2fa3aa60-0c9c-4d06-bae2-795983241227" providerId="AD" clId="Web-{D428A0AE-54E2-30D2-C574-7A0742876CCF}" dt="2021-10-12T19:11:25.330" v="0" actId="20577"/>
           <ac:spMkLst>
             <pc:docMk/>
             <pc:sldMk cId="0" sldId="256"/>
-            <ac:spMk id="3" creationId="{00000000-0000-0000-0000-000000000000}"/>
-          </ac:spMkLst>
-        </pc:spChg>
-        <pc:graphicFrameChg chg="mod modGraphic">
-          <ac:chgData name="Lauren Schutte" userId="6e08b2d3-447a-4d66-86be-444d50df187f" providerId="ADAL" clId="{61630BD6-9AE9-064C-B39F-AFA945B82B3E}" dt="2021-10-13T19:21:08.267" v="201" actId="20577"/>
-          <ac:graphicFrameMkLst>
-            <pc:docMk/>
-            <pc:sldMk cId="0" sldId="256"/>
-            <ac:graphicFrameMk id="9" creationId="{00000000-0000-0000-0000-000000000000}"/>
-          </ac:graphicFrameMkLst>
-        </pc:graphicFrameChg>
-      </pc:sldChg>
-    </pc:docChg>
-  </pc:docChgLst>
-  <pc:docChgLst>
-    <pc:chgData name="Andy Witt" userId="S::awitt@adobe.com::e9157bdf-53b2-40e4-9459-936793d75696" providerId="AD" clId="Web-{CA5D33DF-AE75-BCA1-B9BC-A7CD44D2F3C7}"/>
-    <pc:docChg chg="modSld">
-      <pc:chgData name="Andy Witt" userId="S::awitt@adobe.com::e9157bdf-53b2-40e4-9459-936793d75696" providerId="AD" clId="Web-{CA5D33DF-AE75-BCA1-B9BC-A7CD44D2F3C7}" dt="2021-08-25T22:38:18.624" v="1" actId="1076"/>
-      <pc:docMkLst>
-        <pc:docMk/>
-      </pc:docMkLst>
-      <pc:sldChg chg="modSp">
-        <pc:chgData name="Andy Witt" userId="S::awitt@adobe.com::e9157bdf-53b2-40e4-9459-936793d75696" providerId="AD" clId="Web-{CA5D33DF-AE75-BCA1-B9BC-A7CD44D2F3C7}" dt="2021-08-25T22:38:18.624" v="1" actId="1076"/>
-        <pc:sldMkLst>
-          <pc:docMk/>
-          <pc:sldMk cId="1050037809" sldId="261"/>
-        </pc:sldMkLst>
-        <pc:spChg chg="mod">
-          <ac:chgData name="Andy Witt" userId="S::awitt@adobe.com::e9157bdf-53b2-40e4-9459-936793d75696" providerId="AD" clId="Web-{CA5D33DF-AE75-BCA1-B9BC-A7CD44D2F3C7}" dt="2021-08-25T22:38:18.624" v="1" actId="1076"/>
-          <ac:spMkLst>
-            <pc:docMk/>
-            <pc:sldMk cId="1050037809" sldId="261"/>
-            <ac:spMk id="50" creationId="{043050D0-21FC-0C42-8484-7FE7C0DB771F}"/>
+            <ac:spMk id="4" creationId="{00000000-0000-0000-0000-000000000000}"/>
           </ac:spMkLst>
         </pc:spChg>
       </pc:sldChg>
@@ -499,7 +545,7 @@
           <a:p>
             <a:fld id="{FB81873C-0B24-F04A-98A1-90E0A78F7E8A}" type="datetimeFigureOut">
               <a:rPr lang="en-US" smtClean="0"/>
-              <a:t>12/7/21</a:t>
+              <a:t>1/20/22</a:t>
             </a:fld>
             <a:endParaRPr lang="en-US"/>
           </a:p>
@@ -1122,7 +1168,7 @@
           <a:p>
             <a:fld id="{1D8BD707-D9CF-40AE-B4C6-C98DA3205C09}" type="datetimeFigureOut">
               <a:rPr lang="en-US"/>
-              <a:t>12/7/21</a:t>
+              <a:t>1/20/22</a:t>
             </a:fld>
             <a:endParaRPr lang="en-US"/>
           </a:p>
@@ -1314,7 +1360,7 @@
           <a:p>
             <a:fld id="{1D8BD707-D9CF-40AE-B4C6-C98DA3205C09}" type="datetimeFigureOut">
               <a:rPr lang="en-US"/>
-              <a:t>12/7/21</a:t>
+              <a:t>1/20/22</a:t>
             </a:fld>
             <a:endParaRPr lang="en-US"/>
           </a:p>
@@ -1632,7 +1678,7 @@
           <a:p>
             <a:fld id="{1D8BD707-D9CF-40AE-B4C6-C98DA3205C09}" type="datetimeFigureOut">
               <a:rPr lang="en-US"/>
-              <a:t>12/7/21</a:t>
+              <a:t>1/20/22</a:t>
             </a:fld>
             <a:endParaRPr lang="en-US"/>
           </a:p>
@@ -2114,16 +2160,16 @@
               </a:spcBef>
             </a:pPr>
             <a:r>
-              <a:rPr lang="en-US" sz="900">
+              <a:rPr lang="en-US" sz="900" dirty="0">
                 <a:solidFill>
                   <a:schemeClr val="bg1"/>
                 </a:solidFill>
                 <a:latin typeface="Adobe Clean Light" panose="020B0303020404020204" pitchFamily="34" charset="0"/>
               </a:rPr>
-              <a:t>Online | </a:t>
-            </a:r>
-            <a:r>
-              <a:rPr lang="en-US" sz="900" b="1">
+              <a:t>Standard | </a:t>
+            </a:r>
+            <a:r>
+              <a:rPr lang="en-US" sz="900" b="1" dirty="0">
                 <a:solidFill>
                   <a:schemeClr val="bg1"/>
                 </a:solidFill>
@@ -2132,7 +2178,7 @@
               <a:t>Business</a:t>
             </a:r>
             <a:r>
-              <a:rPr lang="en-US" sz="900">
+              <a:rPr lang="en-US" sz="900" dirty="0">
                 <a:solidFill>
                   <a:schemeClr val="bg1"/>
                 </a:solidFill>
@@ -2151,7 +2197,7 @@
               </a:spcBef>
             </a:pPr>
             <a:r>
-              <a:rPr lang="en-US" sz="900">
+              <a:rPr lang="en-US" sz="900" dirty="0">
                 <a:solidFill>
                   <a:schemeClr val="bg1"/>
                 </a:solidFill>
@@ -2159,7 +2205,7 @@
               </a:rPr>
               <a:t>Adobe provides a comprehensive range of technical resources to help support your business, included as part of your Experience Cloud license subscription and enhanced in the BUSINESS support package. BUSINESS support includes access to personalized learning paths and monitored community forums via the Adobe Experience League. You can also take advantage of our detailed and in-depth technical product documentation and current release notes. BUSINESS customers also benefit from access to our technical support teams for any product query via either the telephone or the support web portal, to help protect your business at the most critical times. BUSINESS customers will receive regular communications and updates from their Account Support Lead in addition to support case escalation management for your most critical of support requests. </a:t>
             </a:r>
-            <a:endParaRPr lang="en-US" sz="900">
+            <a:endParaRPr lang="en-US" sz="900" dirty="0">
               <a:solidFill>
                 <a:schemeClr val="bg1"/>
               </a:solidFill>
@@ -2263,7 +2309,7 @@
           <p:nvPr>
             <p:extLst>
               <p:ext uri="{D42A27DB-BD31-4B8C-83A1-F6EECF244321}">
-                <p14:modId xmlns:p14="http://schemas.microsoft.com/office/powerpoint/2010/main" val="852543156"/>
+                <p14:modId xmlns:p14="http://schemas.microsoft.com/office/powerpoint/2010/main" val="2485809364"/>
               </p:ext>
             </p:extLst>
           </p:nvPr>
@@ -2375,16 +2421,26 @@
                         </a:spcBef>
                       </a:pPr>
                       <a:r>
-                        <a:rPr sz="900" spc="0">
+                        <a:rPr lang="en-US" sz="900" spc="0" dirty="0">
                           <a:solidFill>
                             <a:srgbClr val="020302"/>
                           </a:solidFill>
                           <a:latin typeface="Adobe Clean"/>
                           <a:cs typeface="Adobe Clean"/>
                         </a:rPr>
-                        <a:t>Online Support</a:t>
+                        <a:t>Standard</a:t>
                       </a:r>
-                      <a:endParaRPr sz="900" spc="0">
+                      <a:r>
+                        <a:rPr sz="900" spc="0" dirty="0">
+                          <a:solidFill>
+                            <a:srgbClr val="020302"/>
+                          </a:solidFill>
+                          <a:latin typeface="Adobe Clean"/>
+                          <a:cs typeface="Adobe Clean"/>
+                        </a:rPr>
+                        <a:t> Support</a:t>
+                      </a:r>
+                      <a:endParaRPr sz="900" spc="0" dirty="0">
                         <a:latin typeface="Adobe Clean"/>
                         <a:cs typeface="Adobe Clean"/>
                       </a:endParaRPr>
@@ -3683,7 +3739,7 @@
                         </a:spcBef>
                       </a:pPr>
                       <a:r>
-                        <a:rPr sz="900" spc="0">
+                        <a:rPr sz="900" spc="0" dirty="0">
                           <a:solidFill>
                             <a:srgbClr val="020302"/>
                           </a:solidFill>
@@ -3693,7 +3749,7 @@
                         <a:t>Business</a:t>
                       </a:r>
                       <a:r>
-                        <a:rPr lang="en-US" sz="900" spc="0">
+                        <a:rPr lang="en-US" sz="900" spc="0" dirty="0">
                           <a:solidFill>
                             <a:srgbClr val="020302"/>
                           </a:solidFill>
@@ -3703,7 +3759,7 @@
                         <a:t> </a:t>
                       </a:r>
                       <a:r>
-                        <a:rPr sz="900" spc="0">
+                        <a:rPr sz="900" spc="0" dirty="0">
                           <a:solidFill>
                             <a:srgbClr val="020302"/>
                           </a:solidFill>
@@ -3713,7 +3769,7 @@
                         <a:t>day</a:t>
                       </a:r>
                       <a:r>
-                        <a:rPr lang="en-US" sz="900" spc="0">
+                        <a:rPr lang="en-US" sz="900" spc="0" dirty="0">
                           <a:solidFill>
                             <a:srgbClr val="020302"/>
                           </a:solidFill>
@@ -3723,7 +3779,7 @@
                         <a:t>s </a:t>
                       </a:r>
                       <a:r>
-                        <a:rPr sz="900" spc="0">
+                        <a:rPr sz="900" spc="0" dirty="0">
                           <a:solidFill>
                             <a:srgbClr val="020302"/>
                           </a:solidFill>
@@ -3733,7 +3789,7 @@
                         <a:t>/</a:t>
                       </a:r>
                       <a:r>
-                        <a:rPr lang="en-US" sz="900" spc="0">
+                        <a:rPr lang="en-US" sz="900" spc="0" dirty="0">
                           <a:solidFill>
                             <a:srgbClr val="020302"/>
                           </a:solidFill>
@@ -3743,7 +3799,7 @@
                         <a:t> </a:t>
                       </a:r>
                       <a:r>
-                        <a:rPr sz="900" spc="0">
+                        <a:rPr sz="900" spc="0" dirty="0">
                           <a:solidFill>
                             <a:srgbClr val="020302"/>
                           </a:solidFill>
@@ -3752,7 +3808,7 @@
                         </a:rPr>
                         <a:t>1 day</a:t>
                       </a:r>
-                      <a:endParaRPr sz="900" spc="0">
+                      <a:endParaRPr sz="900" spc="0" dirty="0">
                         <a:latin typeface="AdobeClean-Light"/>
                         <a:cs typeface="AdobeClean-Light"/>
                       </a:endParaRPr>
@@ -3815,7 +3871,7 @@
           <p:nvPr>
             <p:extLst>
               <p:ext uri="{D42A27DB-BD31-4B8C-83A1-F6EECF244321}">
-                <p14:modId xmlns:p14="http://schemas.microsoft.com/office/powerpoint/2010/main" val="116851390"/>
+                <p14:modId xmlns:p14="http://schemas.microsoft.com/office/powerpoint/2010/main" val="1162910209"/>
               </p:ext>
             </p:extLst>
           </p:nvPr>
@@ -3904,17 +3960,17 @@
                         <a:defRPr/>
                       </a:pPr>
                       <a:r>
-                        <a:rPr lang="en-US" sz="900" spc="-20">
+                        <a:rPr lang="en-US" sz="900" spc="-20" dirty="0">
                           <a:solidFill>
                             <a:srgbClr val="404040"/>
                           </a:solidFill>
                           <a:latin typeface="Adobe Clean"/>
                           <a:cs typeface="Adobe Clean"/>
                         </a:rPr>
-                        <a:t>Online </a:t>
+                        <a:t>Standard </a:t>
                       </a:r>
                       <a:r>
-                        <a:rPr lang="en-US" sz="900" spc="-135">
+                        <a:rPr lang="en-US" sz="900" spc="-135" dirty="0">
                           <a:solidFill>
                             <a:srgbClr val="404040"/>
                           </a:solidFill>
@@ -3924,7 +3980,7 @@
                         <a:t> </a:t>
                       </a:r>
                       <a:r>
-                        <a:rPr lang="en-US" sz="900" spc="-20">
+                        <a:rPr lang="en-US" sz="900" spc="-20" dirty="0">
                           <a:solidFill>
                             <a:srgbClr val="404040"/>
                           </a:solidFill>
@@ -3933,7 +3989,7 @@
                         </a:rPr>
                         <a:t>Support</a:t>
                       </a:r>
-                      <a:endParaRPr lang="en-US" sz="900">
+                      <a:endParaRPr lang="en-US" sz="900" dirty="0">
                         <a:latin typeface="Adobe Clean"/>
                         <a:cs typeface="Adobe Clean"/>
                       </a:endParaRPr>
@@ -7046,7 +7102,7 @@
                           <a:spcPct val="100000"/>
                         </a:lnSpc>
                       </a:pPr>
-                      <a:endParaRPr sz="900">
+                      <a:endParaRPr sz="900" dirty="0">
                         <a:latin typeface="Times New Roman"/>
                         <a:cs typeface="Times New Roman"/>
                       </a:endParaRPr>
@@ -8125,7 +8181,7 @@
         <p:spPr>
           <a:xfrm>
             <a:off x="318713" y="5432541"/>
-            <a:ext cx="2006640" cy="307777"/>
+            <a:ext cx="2180405" cy="307777"/>
           </a:xfrm>
           <a:prstGeom prst="rect">
             <a:avLst/>
@@ -8146,16 +8202,16 @@
               </a:spcBef>
             </a:pPr>
             <a:r>
-              <a:rPr lang="en-US" sz="1400" b="1" spc="-10">
+              <a:rPr lang="en-US" sz="1400" b="1" spc="-10" dirty="0">
                 <a:solidFill>
                   <a:srgbClr val="020302"/>
                 </a:solidFill>
                 <a:latin typeface="Adobe Clean"/>
                 <a:cs typeface="Adobe Clean"/>
               </a:rPr>
-              <a:t>Online Support Features</a:t>
-            </a:r>
-            <a:endParaRPr lang="en-US" sz="1400">
+              <a:t>Standard Support Features</a:t>
+            </a:r>
+            <a:endParaRPr lang="en-US" sz="1400" dirty="0">
               <a:latin typeface="Adobe Clean"/>
               <a:cs typeface="Adobe Clean"/>
             </a:endParaRPr>
@@ -10590,7 +10646,7 @@
           <p:nvPr>
             <p:extLst>
               <p:ext uri="{D42A27DB-BD31-4B8C-83A1-F6EECF244321}">
-                <p14:modId xmlns:p14="http://schemas.microsoft.com/office/powerpoint/2010/main" val="914484175"/>
+                <p14:modId xmlns:p14="http://schemas.microsoft.com/office/powerpoint/2010/main" val="2969235217"/>
               </p:ext>
             </p:extLst>
           </p:nvPr>
@@ -11206,7 +11262,7 @@
                         <a:buNone/>
                       </a:pPr>
                       <a:r>
-                        <a:rPr lang="en-US" sz="1100" b="1" i="0" u="none" strike="noStrike" kern="0" cap="none" spc="0" normalizeH="0" baseline="30000" noProof="0" dirty="0">
+                        <a:rPr lang="en-US" sz="1100" b="1" i="0" u="none" strike="noStrike" kern="0" cap="none" spc="0" normalizeH="0" baseline="30000" noProof="0">
                           <a:ln>
                             <a:noFill/>
                           </a:ln>
@@ -11220,7 +11276,7 @@
                         <a:t> </a:t>
                       </a:r>
                       <a:r>
-                        <a:rPr lang="en-US" sz="1100" dirty="0">
+                        <a:rPr lang="en-US" sz="1100">
                           <a:solidFill>
                             <a:schemeClr val="tx1"/>
                           </a:solidFill>
@@ -11228,7 +11284,7 @@
                         </a:rPr>
                         <a:t>Language support is only available in English and Japanese.</a:t>
                       </a:r>
-                      <a:endParaRPr lang="en-US" dirty="0">
+                      <a:endParaRPr lang="en-US">
                         <a:latin typeface="Adobe Clean"/>
                       </a:endParaRPr>
                     </a:p>
@@ -11249,18 +11305,18 @@
                         <a:buNone/>
                       </a:pPr>
                       <a:r>
-                        <a:rPr lang="en-US" sz="1100" i="1" dirty="0">
+                        <a:rPr lang="en-US" sz="1100" i="1">
                           <a:solidFill>
                             <a:schemeClr val="tx1"/>
                           </a:solidFill>
                           <a:latin typeface="Adobe Clean"/>
                         </a:rPr>
-                        <a:t>*Adobe Commerce excludes Japanese languages support. </a:t>
+                        <a:t>*Adobe Commerce excludes Japanese languages support.</a:t>
                       </a:r>
                     </a:p>
                     <a:p>
                       <a:pPr algn="ctr"/>
-                      <a:endParaRPr kumimoji="0" lang="en-US" sz="1100" b="1" i="0" u="none" strike="noStrike" kern="0" cap="none" spc="0" normalizeH="0" baseline="30000" noProof="0" dirty="0">
+                      <a:endParaRPr kumimoji="0" lang="en-US" sz="1100" b="1" i="0" u="none" strike="noStrike" kern="0" cap="none" spc="0" normalizeH="0" baseline="30000" noProof="0">
                         <a:ln>
                           <a:noFill/>
                         </a:ln>
@@ -11278,7 +11334,7 @@
                     <a:p>
                       <a:pPr algn="ctr"/>
                       <a:r>
-                        <a:rPr lang="en-US" sz="1100" i="0" dirty="0">
+                        <a:rPr lang="en-US" sz="1100" i="0">
                           <a:solidFill>
                             <a:schemeClr val="tx1"/>
                           </a:solidFill>
@@ -11287,7 +11343,7 @@
                         <a:t> </a:t>
                       </a:r>
                       <a:r>
-                        <a:rPr lang="en-US" sz="1100" i="0" baseline="30000" dirty="0">
+                        <a:rPr lang="en-US" sz="1100" i="0" baseline="30000">
                           <a:solidFill>
                             <a:schemeClr val="tx1"/>
                           </a:solidFill>
@@ -11296,7 +11352,7 @@
                         <a:t>1 </a:t>
                       </a:r>
                       <a:r>
-                        <a:rPr lang="en-US" sz="1100" i="0" dirty="0">
+                        <a:rPr lang="en-US" sz="1100" i="0">
                           <a:solidFill>
                             <a:schemeClr val="tx1"/>
                           </a:solidFill>
@@ -11304,7 +11360,7 @@
                         </a:rPr>
                         <a:t>P2, P3, P4 cases are limited to business hours only in Japan.</a:t>
                       </a:r>
-                      <a:endParaRPr lang="en-US" sz="1100" b="1" i="0" dirty="0">
+                      <a:endParaRPr lang="en-US" sz="1100" b="1" i="0">
                         <a:solidFill>
                           <a:schemeClr val="tx1"/>
                         </a:solidFill>
@@ -13882,15 +13938,15 @@
 <ds:datastoreItem xmlns:ds="http://schemas.openxmlformats.org/officeDocument/2006/customXml" ds:itemID="{10FC3CAF-E6F1-40E3-87D4-6B781C97D6B4}">
   <ds:schemaRefs>
     <ds:schemaRef ds:uri="6c8368ec-3776-49b5-a5bb-90648cf9530f"/>
+    <ds:schemaRef ds:uri="http://purl.org/dc/elements/1.1/"/>
+    <ds:schemaRef ds:uri="http://schemas.openxmlformats.org/package/2006/metadata/core-properties"/>
     <ds:schemaRef ds:uri="8a053bff-88be-49e4-9a87-e748e18b8b62"/>
+    <ds:schemaRef ds:uri="http://www.w3.org/XML/1998/namespace"/>
     <ds:schemaRef ds:uri="http://purl.org/dc/dcmitype/"/>
-    <ds:schemaRef ds:uri="http://purl.org/dc/elements/1.1/"/>
+    <ds:schemaRef ds:uri="http://schemas.microsoft.com/office/2006/documentManagement/types"/>
+    <ds:schemaRef ds:uri="http://schemas.microsoft.com/office/infopath/2007/PartnerControls"/>
+    <ds:schemaRef ds:uri="http://schemas.microsoft.com/office/2006/metadata/properties"/>
     <ds:schemaRef ds:uri="http://purl.org/dc/terms/"/>
-    <ds:schemaRef ds:uri="http://schemas.microsoft.com/office/2006/documentManagement/types"/>
-    <ds:schemaRef ds:uri="http://schemas.microsoft.com/office/2006/metadata/properties"/>
-    <ds:schemaRef ds:uri="http://schemas.microsoft.com/office/infopath/2007/PartnerControls"/>
-    <ds:schemaRef ds:uri="http://schemas.openxmlformats.org/package/2006/metadata/core-properties"/>
-    <ds:schemaRef ds:uri="http://www.w3.org/XML/1998/namespace"/>
   </ds:schemaRefs>
 </ds:datastoreItem>
 </file>
